--- a/manuscript/Figure2.pptx
+++ b/manuscript/Figure2.pptx
@@ -243,7 +243,7 @@
           <a:p>
             <a:fld id="{90824A45-891D-534F-91DF-C66ED1E2FA88}" type="datetimeFigureOut">
               <a:rPr lang="en-US" smtClean="0"/>
-              <a:t>11/2/21</a:t>
+              <a:t>11/4/21</a:t>
             </a:fld>
             <a:endParaRPr lang="en-US"/>
           </a:p>
@@ -413,7 +413,7 @@
           <a:p>
             <a:fld id="{90824A45-891D-534F-91DF-C66ED1E2FA88}" type="datetimeFigureOut">
               <a:rPr lang="en-US" smtClean="0"/>
-              <a:t>11/2/21</a:t>
+              <a:t>11/4/21</a:t>
             </a:fld>
             <a:endParaRPr lang="en-US"/>
           </a:p>
@@ -593,7 +593,7 @@
           <a:p>
             <a:fld id="{90824A45-891D-534F-91DF-C66ED1E2FA88}" type="datetimeFigureOut">
               <a:rPr lang="en-US" smtClean="0"/>
-              <a:t>11/2/21</a:t>
+              <a:t>11/4/21</a:t>
             </a:fld>
             <a:endParaRPr lang="en-US"/>
           </a:p>
@@ -763,7 +763,7 @@
           <a:p>
             <a:fld id="{90824A45-891D-534F-91DF-C66ED1E2FA88}" type="datetimeFigureOut">
               <a:rPr lang="en-US" smtClean="0"/>
-              <a:t>11/2/21</a:t>
+              <a:t>11/4/21</a:t>
             </a:fld>
             <a:endParaRPr lang="en-US"/>
           </a:p>
@@ -1007,7 +1007,7 @@
           <a:p>
             <a:fld id="{90824A45-891D-534F-91DF-C66ED1E2FA88}" type="datetimeFigureOut">
               <a:rPr lang="en-US" smtClean="0"/>
-              <a:t>11/2/21</a:t>
+              <a:t>11/4/21</a:t>
             </a:fld>
             <a:endParaRPr lang="en-US"/>
           </a:p>
@@ -1239,7 +1239,7 @@
           <a:p>
             <a:fld id="{90824A45-891D-534F-91DF-C66ED1E2FA88}" type="datetimeFigureOut">
               <a:rPr lang="en-US" smtClean="0"/>
-              <a:t>11/2/21</a:t>
+              <a:t>11/4/21</a:t>
             </a:fld>
             <a:endParaRPr lang="en-US"/>
           </a:p>
@@ -1606,7 +1606,7 @@
           <a:p>
             <a:fld id="{90824A45-891D-534F-91DF-C66ED1E2FA88}" type="datetimeFigureOut">
               <a:rPr lang="en-US" smtClean="0"/>
-              <a:t>11/2/21</a:t>
+              <a:t>11/4/21</a:t>
             </a:fld>
             <a:endParaRPr lang="en-US"/>
           </a:p>
@@ -1724,7 +1724,7 @@
           <a:p>
             <a:fld id="{90824A45-891D-534F-91DF-C66ED1E2FA88}" type="datetimeFigureOut">
               <a:rPr lang="en-US" smtClean="0"/>
-              <a:t>11/2/21</a:t>
+              <a:t>11/4/21</a:t>
             </a:fld>
             <a:endParaRPr lang="en-US"/>
           </a:p>
@@ -1819,7 +1819,7 @@
           <a:p>
             <a:fld id="{90824A45-891D-534F-91DF-C66ED1E2FA88}" type="datetimeFigureOut">
               <a:rPr lang="en-US" smtClean="0"/>
-              <a:t>11/2/21</a:t>
+              <a:t>11/4/21</a:t>
             </a:fld>
             <a:endParaRPr lang="en-US"/>
           </a:p>
@@ -2096,7 +2096,7 @@
           <a:p>
             <a:fld id="{90824A45-891D-534F-91DF-C66ED1E2FA88}" type="datetimeFigureOut">
               <a:rPr lang="en-US" smtClean="0"/>
-              <a:t>11/2/21</a:t>
+              <a:t>11/4/21</a:t>
             </a:fld>
             <a:endParaRPr lang="en-US"/>
           </a:p>
@@ -2353,7 +2353,7 @@
           <a:p>
             <a:fld id="{90824A45-891D-534F-91DF-C66ED1E2FA88}" type="datetimeFigureOut">
               <a:rPr lang="en-US" smtClean="0"/>
-              <a:t>11/2/21</a:t>
+              <a:t>11/4/21</a:t>
             </a:fld>
             <a:endParaRPr lang="en-US"/>
           </a:p>
@@ -2566,7 +2566,7 @@
           <a:p>
             <a:fld id="{90824A45-891D-534F-91DF-C66ED1E2FA88}" type="datetimeFigureOut">
               <a:rPr lang="en-US" smtClean="0"/>
-              <a:t>11/2/21</a:t>
+              <a:t>11/4/21</a:t>
             </a:fld>
             <a:endParaRPr lang="en-US"/>
           </a:p>
@@ -3260,12 +3260,54 @@
           </a:prstGeom>
         </p:spPr>
       </p:pic>
+      <p:sp>
+        <p:nvSpPr>
+          <p:cNvPr id="41" name="TextBox 40">
+            <a:extLst>
+              <a:ext uri="{FF2B5EF4-FFF2-40B4-BE49-F238E27FC236}">
+                <a16:creationId xmlns:a16="http://schemas.microsoft.com/office/drawing/2014/main" id="{96BEA91B-3D0C-CE40-936A-9CBCD3D3112A}"/>
+              </a:ext>
+            </a:extLst>
+          </p:cNvPr>
+          <p:cNvSpPr txBox="1"/>
+          <p:nvPr/>
+        </p:nvSpPr>
+        <p:spPr>
+          <a:xfrm>
+            <a:off x="2529654" y="6598878"/>
+            <a:ext cx="332142" cy="338554"/>
+          </a:xfrm>
+          <a:prstGeom prst="rect">
+            <a:avLst/>
+          </a:prstGeom>
+          <a:noFill/>
+        </p:spPr>
+        <p:txBody>
+          <a:bodyPr wrap="none" rtlCol="0">
+            <a:spAutoFit/>
+          </a:bodyPr>
+          <a:lstStyle/>
+          <a:p>
+            <a:r>
+              <a:rPr lang="en-US" sz="1600" b="1" dirty="0">
+                <a:latin typeface="Arial" panose="020B0604020202020204" pitchFamily="34" charset="0"/>
+                <a:cs typeface="Arial" panose="020B0604020202020204" pitchFamily="34" charset="0"/>
+              </a:rPr>
+              <a:t>D</a:t>
+            </a:r>
+            <a:endParaRPr lang="en-US" sz="1400" b="1" dirty="0">
+              <a:latin typeface="Arial" panose="020B0604020202020204" pitchFamily="34" charset="0"/>
+              <a:cs typeface="Arial" panose="020B0604020202020204" pitchFamily="34" charset="0"/>
+            </a:endParaRPr>
+          </a:p>
+        </p:txBody>
+      </p:sp>
       <p:pic>
         <p:nvPicPr>
-          <p:cNvPr id="36" name="Picture 35">
+          <p:cNvPr id="3" name="Picture 2">
             <a:extLst>
               <a:ext uri="{FF2B5EF4-FFF2-40B4-BE49-F238E27FC236}">
-                <a16:creationId xmlns:a16="http://schemas.microsoft.com/office/drawing/2014/main" id="{B7F8173D-B29E-274C-ADC7-9055E1CC6327}"/>
+                <a16:creationId xmlns:a16="http://schemas.microsoft.com/office/drawing/2014/main" id="{92B289E4-2207-E846-9068-DF237EBF6353}"/>
               </a:ext>
             </a:extLst>
           </p:cNvPr>
@@ -3282,56 +3324,14 @@
         </p:blipFill>
         <p:spPr>
           <a:xfrm>
-            <a:off x="2556590" y="6951959"/>
-            <a:ext cx="3895662" cy="1947831"/>
+            <a:off x="2614022" y="6886128"/>
+            <a:ext cx="3879361" cy="1939681"/>
           </a:xfrm>
           <a:prstGeom prst="rect">
             <a:avLst/>
           </a:prstGeom>
         </p:spPr>
       </p:pic>
-      <p:sp>
-        <p:nvSpPr>
-          <p:cNvPr id="41" name="TextBox 40">
-            <a:extLst>
-              <a:ext uri="{FF2B5EF4-FFF2-40B4-BE49-F238E27FC236}">
-                <a16:creationId xmlns:a16="http://schemas.microsoft.com/office/drawing/2014/main" id="{96BEA91B-3D0C-CE40-936A-9CBCD3D3112A}"/>
-              </a:ext>
-            </a:extLst>
-          </p:cNvPr>
-          <p:cNvSpPr txBox="1"/>
-          <p:nvPr/>
-        </p:nvSpPr>
-        <p:spPr>
-          <a:xfrm>
-            <a:off x="2529654" y="6598878"/>
-            <a:ext cx="332142" cy="338554"/>
-          </a:xfrm>
-          <a:prstGeom prst="rect">
-            <a:avLst/>
-          </a:prstGeom>
-          <a:noFill/>
-        </p:spPr>
-        <p:txBody>
-          <a:bodyPr wrap="none" rtlCol="0">
-            <a:spAutoFit/>
-          </a:bodyPr>
-          <a:lstStyle/>
-          <a:p>
-            <a:r>
-              <a:rPr lang="en-US" sz="1600" b="1" dirty="0">
-                <a:latin typeface="Arial" panose="020B0604020202020204" pitchFamily="34" charset="0"/>
-                <a:cs typeface="Arial" panose="020B0604020202020204" pitchFamily="34" charset="0"/>
-              </a:rPr>
-              <a:t>D</a:t>
-            </a:r>
-            <a:endParaRPr lang="en-US" sz="1400" b="1" dirty="0">
-              <a:latin typeface="Arial" panose="020B0604020202020204" pitchFamily="34" charset="0"/>
-              <a:cs typeface="Arial" panose="020B0604020202020204" pitchFamily="34" charset="0"/>
-            </a:endParaRPr>
-          </a:p>
-        </p:txBody>
-      </p:sp>
     </p:spTree>
     <p:extLst>
       <p:ext uri="{BB962C8B-B14F-4D97-AF65-F5344CB8AC3E}">
